--- a/Mechanical/Schemenskizzen/Powerpoint/Ferderkonstante.pptx
+++ b/Mechanical/Schemenskizzen/Powerpoint/Ferderkonstante.pptx
@@ -104,6 +104,11 @@
       </a:defRPr>
     </a:lvl9pPr>
   </p:defaultTextStyle>
+  <p:extLst>
+    <p:ext uri="{EFAFB233-063F-42B5-8137-9DF3F51BA10A}">
+      <p15:sldGuideLst xmlns:p15="http://schemas.microsoft.com/office/powerpoint/2012/main"/>
+    </p:ext>
+  </p:extLst>
 </p:presentation>
 </file>
 
@@ -254,7 +259,7 @@
           <a:p>
             <a:fld id="{23677A58-88FF-47B2-A34C-96AAA0D495BE}" type="datetimeFigureOut">
               <a:rPr lang="de-DE" smtClean="0"/>
-              <a:t>14.03.2018</a:t>
+              <a:t>24.03.2018</a:t>
             </a:fld>
             <a:endParaRPr lang="de-DE"/>
           </a:p>
@@ -452,7 +457,7 @@
           <a:p>
             <a:fld id="{23677A58-88FF-47B2-A34C-96AAA0D495BE}" type="datetimeFigureOut">
               <a:rPr lang="de-DE" smtClean="0"/>
-              <a:t>14.03.2018</a:t>
+              <a:t>24.03.2018</a:t>
             </a:fld>
             <a:endParaRPr lang="de-DE"/>
           </a:p>
@@ -660,7 +665,7 @@
           <a:p>
             <a:fld id="{23677A58-88FF-47B2-A34C-96AAA0D495BE}" type="datetimeFigureOut">
               <a:rPr lang="de-DE" smtClean="0"/>
-              <a:t>14.03.2018</a:t>
+              <a:t>24.03.2018</a:t>
             </a:fld>
             <a:endParaRPr lang="de-DE"/>
           </a:p>
@@ -858,7 +863,7 @@
           <a:p>
             <a:fld id="{23677A58-88FF-47B2-A34C-96AAA0D495BE}" type="datetimeFigureOut">
               <a:rPr lang="de-DE" smtClean="0"/>
-              <a:t>14.03.2018</a:t>
+              <a:t>24.03.2018</a:t>
             </a:fld>
             <a:endParaRPr lang="de-DE"/>
           </a:p>
@@ -1133,7 +1138,7 @@
           <a:p>
             <a:fld id="{23677A58-88FF-47B2-A34C-96AAA0D495BE}" type="datetimeFigureOut">
               <a:rPr lang="de-DE" smtClean="0"/>
-              <a:t>14.03.2018</a:t>
+              <a:t>24.03.2018</a:t>
             </a:fld>
             <a:endParaRPr lang="de-DE"/>
           </a:p>
@@ -1398,7 +1403,7 @@
           <a:p>
             <a:fld id="{23677A58-88FF-47B2-A34C-96AAA0D495BE}" type="datetimeFigureOut">
               <a:rPr lang="de-DE" smtClean="0"/>
-              <a:t>14.03.2018</a:t>
+              <a:t>24.03.2018</a:t>
             </a:fld>
             <a:endParaRPr lang="de-DE"/>
           </a:p>
@@ -1810,7 +1815,7 @@
           <a:p>
             <a:fld id="{23677A58-88FF-47B2-A34C-96AAA0D495BE}" type="datetimeFigureOut">
               <a:rPr lang="de-DE" smtClean="0"/>
-              <a:t>14.03.2018</a:t>
+              <a:t>24.03.2018</a:t>
             </a:fld>
             <a:endParaRPr lang="de-DE"/>
           </a:p>
@@ -1951,7 +1956,7 @@
           <a:p>
             <a:fld id="{23677A58-88FF-47B2-A34C-96AAA0D495BE}" type="datetimeFigureOut">
               <a:rPr lang="de-DE" smtClean="0"/>
-              <a:t>14.03.2018</a:t>
+              <a:t>24.03.2018</a:t>
             </a:fld>
             <a:endParaRPr lang="de-DE"/>
           </a:p>
@@ -2064,7 +2069,7 @@
           <a:p>
             <a:fld id="{23677A58-88FF-47B2-A34C-96AAA0D495BE}" type="datetimeFigureOut">
               <a:rPr lang="de-DE" smtClean="0"/>
-              <a:t>14.03.2018</a:t>
+              <a:t>24.03.2018</a:t>
             </a:fld>
             <a:endParaRPr lang="de-DE"/>
           </a:p>
@@ -2375,7 +2380,7 @@
           <a:p>
             <a:fld id="{23677A58-88FF-47B2-A34C-96AAA0D495BE}" type="datetimeFigureOut">
               <a:rPr lang="de-DE" smtClean="0"/>
-              <a:t>14.03.2018</a:t>
+              <a:t>24.03.2018</a:t>
             </a:fld>
             <a:endParaRPr lang="de-DE"/>
           </a:p>
@@ -2663,7 +2668,7 @@
           <a:p>
             <a:fld id="{23677A58-88FF-47B2-A34C-96AAA0D495BE}" type="datetimeFigureOut">
               <a:rPr lang="de-DE" smtClean="0"/>
-              <a:t>14.03.2018</a:t>
+              <a:t>24.03.2018</a:t>
             </a:fld>
             <a:endParaRPr lang="de-DE"/>
           </a:p>
@@ -2904,7 +2909,7 @@
           <a:p>
             <a:fld id="{23677A58-88FF-47B2-A34C-96AAA0D495BE}" type="datetimeFigureOut">
               <a:rPr lang="de-DE" smtClean="0"/>
-              <a:t>14.03.2018</a:t>
+              <a:t>24.03.2018</a:t>
             </a:fld>
             <a:endParaRPr lang="de-DE"/>
           </a:p>
@@ -3551,7 +3556,7 @@
         </p:nvCxnSpPr>
         <p:spPr>
           <a:xfrm flipV="1">
-            <a:off x="3295095" y="870012"/>
+            <a:off x="3225552" y="870012"/>
             <a:ext cx="0" cy="1096390"/>
           </a:xfrm>
           <a:prstGeom prst="line">
@@ -3590,7 +3595,7 @@
         <p:spPr>
           <a:xfrm>
             <a:off x="2268243" y="870012"/>
-            <a:ext cx="1026852" cy="0"/>
+            <a:ext cx="957309" cy="0"/>
           </a:xfrm>
           <a:prstGeom prst="line">
             <a:avLst/>
@@ -3689,6 +3694,164 @@
           </a:p>
         </p:txBody>
       </p:sp>
+      <p:cxnSp>
+        <p:nvCxnSpPr>
+          <p:cNvPr id="6" name="Gerade Verbindung mit Pfeil 5">
+            <a:extLst>
+              <a:ext uri="{FF2B5EF4-FFF2-40B4-BE49-F238E27FC236}">
+                <a16:creationId xmlns:a16="http://schemas.microsoft.com/office/drawing/2014/main" id="{5E5D85FF-1760-4D0D-AD09-4F39FA6AD899}"/>
+              </a:ext>
+            </a:extLst>
+          </p:cNvPr>
+          <p:cNvCxnSpPr/>
+          <p:nvPr/>
+        </p:nvCxnSpPr>
+        <p:spPr>
+          <a:xfrm>
+            <a:off x="2657383" y="870012"/>
+            <a:ext cx="568169" cy="0"/>
+          </a:xfrm>
+          <a:prstGeom prst="straightConnector1">
+            <a:avLst/>
+          </a:prstGeom>
+          <a:ln>
+            <a:tailEnd type="triangle"/>
+          </a:ln>
+        </p:spPr>
+        <p:style>
+          <a:lnRef idx="1">
+            <a:schemeClr val="accent1"/>
+          </a:lnRef>
+          <a:fillRef idx="0">
+            <a:schemeClr val="accent1"/>
+          </a:fillRef>
+          <a:effectRef idx="0">
+            <a:schemeClr val="accent1"/>
+          </a:effectRef>
+          <a:fontRef idx="minor">
+            <a:schemeClr val="tx1"/>
+          </a:fontRef>
+        </p:style>
+      </p:cxnSp>
+      <p:cxnSp>
+        <p:nvCxnSpPr>
+          <p:cNvPr id="16" name="Gerade Verbindung mit Pfeil 15">
+            <a:extLst>
+              <a:ext uri="{FF2B5EF4-FFF2-40B4-BE49-F238E27FC236}">
+                <a16:creationId xmlns:a16="http://schemas.microsoft.com/office/drawing/2014/main" id="{3EBE713C-2068-4810-A5C9-A9A8B6862E15}"/>
+              </a:ext>
+            </a:extLst>
+          </p:cNvPr>
+          <p:cNvCxnSpPr/>
+          <p:nvPr/>
+        </p:nvCxnSpPr>
+        <p:spPr>
+          <a:xfrm flipH="1">
+            <a:off x="2266024" y="870012"/>
+            <a:ext cx="417251" cy="0"/>
+          </a:xfrm>
+          <a:prstGeom prst="straightConnector1">
+            <a:avLst/>
+          </a:prstGeom>
+          <a:ln>
+            <a:tailEnd type="triangle"/>
+          </a:ln>
+        </p:spPr>
+        <p:style>
+          <a:lnRef idx="1">
+            <a:schemeClr val="accent1"/>
+          </a:lnRef>
+          <a:fillRef idx="0">
+            <a:schemeClr val="accent1"/>
+          </a:fillRef>
+          <a:effectRef idx="0">
+            <a:schemeClr val="accent1"/>
+          </a:effectRef>
+          <a:fontRef idx="minor">
+            <a:schemeClr val="tx1"/>
+          </a:fontRef>
+        </p:style>
+      </p:cxnSp>
+      <p:cxnSp>
+        <p:nvCxnSpPr>
+          <p:cNvPr id="20" name="Gerade Verbindung mit Pfeil 19">
+            <a:extLst>
+              <a:ext uri="{FF2B5EF4-FFF2-40B4-BE49-F238E27FC236}">
+                <a16:creationId xmlns:a16="http://schemas.microsoft.com/office/drawing/2014/main" id="{7CDD8ADB-C7B2-409C-81FA-99D20C6F7027}"/>
+              </a:ext>
+            </a:extLst>
+          </p:cNvPr>
+          <p:cNvCxnSpPr/>
+          <p:nvPr/>
+        </p:nvCxnSpPr>
+        <p:spPr>
+          <a:xfrm>
+            <a:off x="2474649" y="1331650"/>
+            <a:ext cx="630315" cy="0"/>
+          </a:xfrm>
+          <a:prstGeom prst="straightConnector1">
+            <a:avLst/>
+          </a:prstGeom>
+          <a:ln>
+            <a:tailEnd type="triangle"/>
+          </a:ln>
+        </p:spPr>
+        <p:style>
+          <a:lnRef idx="1">
+            <a:schemeClr val="accent1"/>
+          </a:lnRef>
+          <a:fillRef idx="0">
+            <a:schemeClr val="accent1"/>
+          </a:fillRef>
+          <a:effectRef idx="0">
+            <a:schemeClr val="accent1"/>
+          </a:effectRef>
+          <a:fontRef idx="minor">
+            <a:schemeClr val="tx1"/>
+          </a:fontRef>
+        </p:style>
+      </p:cxnSp>
+      <p:cxnSp>
+        <p:nvCxnSpPr>
+          <p:cNvPr id="22" name="Gerade Verbindung mit Pfeil 21">
+            <a:extLst>
+              <a:ext uri="{FF2B5EF4-FFF2-40B4-BE49-F238E27FC236}">
+                <a16:creationId xmlns:a16="http://schemas.microsoft.com/office/drawing/2014/main" id="{6197BBC3-1F3F-476D-8ACC-35503145ADA4}"/>
+              </a:ext>
+            </a:extLst>
+          </p:cNvPr>
+          <p:cNvCxnSpPr>
+            <a:cxnSpLocks/>
+          </p:cNvCxnSpPr>
+          <p:nvPr/>
+        </p:nvCxnSpPr>
+        <p:spPr>
+          <a:xfrm flipH="1">
+            <a:off x="2266024" y="1331650"/>
+            <a:ext cx="497148" cy="0"/>
+          </a:xfrm>
+          <a:prstGeom prst="straightConnector1">
+            <a:avLst/>
+          </a:prstGeom>
+          <a:ln>
+            <a:tailEnd type="triangle"/>
+          </a:ln>
+        </p:spPr>
+        <p:style>
+          <a:lnRef idx="1">
+            <a:schemeClr val="accent1"/>
+          </a:lnRef>
+          <a:fillRef idx="0">
+            <a:schemeClr val="accent1"/>
+          </a:fillRef>
+          <a:effectRef idx="0">
+            <a:schemeClr val="accent1"/>
+          </a:effectRef>
+          <a:fontRef idx="minor">
+            <a:schemeClr val="tx1"/>
+          </a:fontRef>
+        </p:style>
+      </p:cxnSp>
     </p:spTree>
     <p:extLst>
       <p:ext uri="{BB962C8B-B14F-4D97-AF65-F5344CB8AC3E}">
